--- a/Slide_ĐATN-1.pptx
+++ b/Slide_ĐATN-1.pptx
@@ -241,7 +241,7 @@
           <a:p>
             <a:fld id="{CC683073-A553-4962-87EF-353D0EB3283B}" type="datetimeFigureOut">
               <a:rPr lang="en-US" smtClean="0"/>
-              <a:t>12/6/2022</a:t>
+              <a:t>12/7/2022</a:t>
             </a:fld>
             <a:endParaRPr lang="en-US"/>
           </a:p>
